--- a/Slides/3 - Components.pptx
+++ b/Slides/3 - Components.pptx
@@ -3498,8 +3498,8 @@
           </a:p>
         </p:txBody>
       </p:sp>
-      <mc:AlternateContent xmlns:mc="http://schemas.openxmlformats.org/markup-compatibility/2006" xmlns:we="http://schemas.microsoft.com/office/webextensions/webextension/2010/11" xmlns:pca="http://schemas.microsoft.com/office/powerpoint/2013/contentapp">
-        <mc:Choice Requires="we pca">
+      <mc:AlternateContent xmlns:mc="http://schemas.openxmlformats.org/markup-compatibility/2006">
+        <mc:Choice xmlns:we="http://schemas.microsoft.com/office/webextensions/webextension/2010/11" xmlns:pca="http://schemas.microsoft.com/office/powerpoint/2013/contentapp" Requires="we pca">
           <p:graphicFrame>
             <p:nvGraphicFramePr>
               <p:cNvPr id="4" name="Add-in 3" title="Code Presenter Pro"/>
@@ -3525,7 +3525,7 @@
             </a:graphic>
           </p:graphicFrame>
         </mc:Choice>
-        <mc:Fallback xmlns="">
+        <mc:Fallback>
           <p:pic>
             <p:nvPicPr>
               <p:cNvPr id="4" name="Add-in 3" title="Code Presenter Pro"/>
@@ -4769,7 +4769,15 @@
           <a:p>
             <a:r>
               <a:rPr lang="en-US" dirty="0" smtClean="0"/>
-              <a:t>Most every UI offers templating</a:t>
+              <a:t>Most every </a:t>
+            </a:r>
+            <a:r>
+              <a:rPr lang="en-US" dirty="0" smtClean="0"/>
+              <a:t>UI tool </a:t>
+            </a:r>
+            <a:r>
+              <a:rPr lang="en-US" dirty="0" smtClean="0"/>
+              <a:t>offers templating</a:t>
             </a:r>
           </a:p>
           <a:p>
